--- a/Document/KingShoes_Slide.pptx
+++ b/Document/KingShoes_Slide.pptx
@@ -11282,7 +11282,7 @@
                   <a:schemeClr val="lt1"/>
                 </a:solidFill>
               </a:rPr>
-              <a:t>BẢO VỆ ĐỒ ÁN [TÊN KHÓA]</a:t>
+              <a:t>BẢO VỆ ĐỒ ÁN </a:t>
             </a:r>
             <a:endParaRPr lang="en-US" sz="3200" b="1" i="0" u="none" strike="noStrike" cap="none" dirty="0">
               <a:solidFill>
@@ -11363,7 +11363,7 @@
                   <a:schemeClr val="lt1"/>
                 </a:solidFill>
               </a:rPr>
-              <a:t>quản</a:t>
+              <a:t>bán</a:t>
             </a:r>
             <a:r>
               <a:rPr lang="en-US" sz="2800" b="1" dirty="0">
@@ -11379,7 +11379,7 @@
                   <a:schemeClr val="lt1"/>
                 </a:solidFill>
               </a:rPr>
-              <a:t>lý</a:t>
+              <a:t>giày</a:t>
             </a:r>
             <a:r>
               <a:rPr lang="en-US" sz="2800" b="1" dirty="0">
@@ -11395,31 +11395,7 @@
                   <a:schemeClr val="lt1"/>
                 </a:solidFill>
               </a:rPr>
-              <a:t>cửa</a:t>
-            </a:r>
-            <a:r>
-              <a:rPr lang="en-US" sz="2800" b="1" dirty="0">
-                <a:solidFill>
-                  <a:schemeClr val="lt1"/>
-                </a:solidFill>
-              </a:rPr>
-              <a:t> </a:t>
-            </a:r>
-            <a:r>
-              <a:rPr lang="en-US" sz="2800" b="1" dirty="0" err="1">
-                <a:solidFill>
-                  <a:schemeClr val="lt1"/>
-                </a:solidFill>
-              </a:rPr>
-              <a:t>hàng</a:t>
-            </a:r>
-            <a:r>
-              <a:rPr lang="en-US" sz="2800" b="1" dirty="0">
-                <a:solidFill>
-                  <a:schemeClr val="lt1"/>
-                </a:solidFill>
-              </a:rPr>
-              <a:t> Big Mart</a:t>
+              <a:t>KingShoes</a:t>
             </a:r>
             <a:endParaRPr lang="en-US" sz="2800" b="1" i="0" u="none" strike="noStrike" cap="none" dirty="0">
               <a:solidFill>
